--- a/Lecture 4/Module 2 - Problem Formulation.pptx
+++ b/Lecture 4/Module 2 - Problem Formulation.pptx
@@ -242,7 +242,7 @@
   </p:defaultTextStyle>
   <p:extLst>
     <p:ext uri="{EFAFB233-063F-42B5-8137-9DF3F51BA10A}">
-      <p15:sldGuideLst xmlns="" xmlns:p15="http://schemas.microsoft.com/office/powerpoint/2012/main">
+      <p15:sldGuideLst xmlns:p15="http://schemas.microsoft.com/office/powerpoint/2012/main" xmlns="">
         <p15:guide id="1" orient="horz" pos="2160">
           <p15:clr>
             <a:srgbClr val="A4A3A4"/>
@@ -11552,7 +11552,7 @@
               </a14:hiddenLine>
             </a:ext>
             <a:ext uri="{FAA26D3D-D897-4be2-8F04-BA451C77F1D7}">
-              <ma14:placeholderFlag xmlns="" xmlns:ma14="http://schemas.microsoft.com/office/mac/drawingml/2011/main" val="1"/>
+              <ma14:placeholderFlag xmlns:ma14="http://schemas.microsoft.com/office/mac/drawingml/2011/main" xmlns="" val="1"/>
             </a:ext>
           </a:extLst>
         </p:spPr>
@@ -11620,7 +11620,7 @@
               </a14:hiddenLine>
             </a:ext>
             <a:ext uri="{FAA26D3D-D897-4be2-8F04-BA451C77F1D7}">
-              <ma14:placeholderFlag xmlns="" xmlns:ma14="http://schemas.microsoft.com/office/mac/drawingml/2011/main" val="1"/>
+              <ma14:placeholderFlag xmlns:ma14="http://schemas.microsoft.com/office/mac/drawingml/2011/main" xmlns="" val="1"/>
             </a:ext>
           </a:extLst>
         </p:spPr>
@@ -11686,7 +11686,7 @@
               </a14:hiddenLine>
             </a:ext>
             <a:ext uri="{FAA26D3D-D897-4be2-8F04-BA451C77F1D7}">
-              <ma14:placeholderFlag xmlns="" xmlns:ma14="http://schemas.microsoft.com/office/mac/drawingml/2011/main" val="1"/>
+              <ma14:placeholderFlag xmlns:ma14="http://schemas.microsoft.com/office/mac/drawingml/2011/main" xmlns="" val="1"/>
             </a:ext>
           </a:extLst>
         </p:spPr>
@@ -11758,7 +11758,7 @@
               </a14:hiddenLine>
             </a:ext>
             <a:ext uri="{FAA26D3D-D897-4be2-8F04-BA451C77F1D7}">
-              <ma14:placeholderFlag xmlns="" xmlns:ma14="http://schemas.microsoft.com/office/mac/drawingml/2011/main" val="1"/>
+              <ma14:placeholderFlag xmlns:ma14="http://schemas.microsoft.com/office/mac/drawingml/2011/main" xmlns="" val="1"/>
             </a:ext>
           </a:extLst>
         </p:spPr>
@@ -11861,7 +11861,7 @@
               </a14:hiddenLine>
             </a:ext>
             <a:ext uri="{FAA26D3D-D897-4be2-8F04-BA451C77F1D7}">
-              <ma14:placeholderFlag xmlns="" xmlns:ma14="http://schemas.microsoft.com/office/mac/drawingml/2011/main" val="1"/>
+              <ma14:placeholderFlag xmlns:ma14="http://schemas.microsoft.com/office/mac/drawingml/2011/main" xmlns="" val="1"/>
             </a:ext>
           </a:extLst>
         </p:spPr>
@@ -11929,7 +11929,7 @@
               </a14:hiddenLine>
             </a:ext>
             <a:ext uri="{FAA26D3D-D897-4be2-8F04-BA451C77F1D7}">
-              <ma14:placeholderFlag xmlns="" xmlns:ma14="http://schemas.microsoft.com/office/mac/drawingml/2011/main" val="1"/>
+              <ma14:placeholderFlag xmlns:ma14="http://schemas.microsoft.com/office/mac/drawingml/2011/main" xmlns="" val="1"/>
             </a:ext>
           </a:extLst>
         </p:spPr>
@@ -12041,7 +12041,7 @@
               </a14:hiddenLine>
             </a:ext>
             <a:ext uri="{FAA26D3D-D897-4be2-8F04-BA451C77F1D7}">
-              <ma14:placeholderFlag xmlns="" xmlns:ma14="http://schemas.microsoft.com/office/mac/drawingml/2011/main" val="1"/>
+              <ma14:placeholderFlag xmlns:ma14="http://schemas.microsoft.com/office/mac/drawingml/2011/main" xmlns="" val="1"/>
             </a:ext>
           </a:extLst>
         </p:spPr>
@@ -12130,7 +12130,7 @@
               </a14:hiddenLine>
             </a:ext>
             <a:ext uri="{FAA26D3D-D897-4be2-8F04-BA451C77F1D7}">
-              <ma14:placeholderFlag xmlns="" xmlns:ma14="http://schemas.microsoft.com/office/mac/drawingml/2011/main" val="1"/>
+              <ma14:placeholderFlag xmlns:ma14="http://schemas.microsoft.com/office/mac/drawingml/2011/main" xmlns="" val="1"/>
             </a:ext>
           </a:extLst>
         </p:spPr>
@@ -12202,7 +12202,7 @@
               </a14:hiddenLine>
             </a:ext>
             <a:ext uri="{FAA26D3D-D897-4be2-8F04-BA451C77F1D7}">
-              <ma14:placeholderFlag xmlns="" xmlns:ma14="http://schemas.microsoft.com/office/mac/drawingml/2011/main" val="1"/>
+              <ma14:placeholderFlag xmlns:ma14="http://schemas.microsoft.com/office/mac/drawingml/2011/main" xmlns="" val="1"/>
             </a:ext>
           </a:extLst>
         </p:spPr>
@@ -28522,7 +28522,7 @@
           <a:graphicData uri="http://schemas.openxmlformats.org/presentationml/2006/ole">
             <mc:AlternateContent xmlns:mc="http://schemas.openxmlformats.org/markup-compatibility/2006">
               <mc:Choice xmlns:v="urn:schemas-microsoft-com:vml" Requires="v">
-                <p:oleObj spid="_x0000_s1044" name="Microsoft ClipArt Gallery" r:id="rId4" imgW="3848100" imgH="5478463" progId="">
+                <p:oleObj spid="_x0000_s1045" name="Microsoft ClipArt Gallery" r:id="rId4" imgW="3848100" imgH="5478463" progId="">
                   <p:embed/>
                 </p:oleObj>
               </mc:Choice>
